--- a/리소스 제작.pptx
+++ b/리소스 제작.pptx
@@ -7,6 +7,10 @@
   <p:sldIdLst>
     <p:sldId id="256" r:id="rId2"/>
     <p:sldId id="257" r:id="rId3"/>
+    <p:sldId id="258" r:id="rId4"/>
+    <p:sldId id="259" r:id="rId5"/>
+    <p:sldId id="260" r:id="rId6"/>
+    <p:sldId id="261" r:id="rId7"/>
   </p:sldIdLst>
   <p:sldSz cx="12192000" cy="6858000"/>
   <p:notesSz cx="6858000" cy="9144000"/>
@@ -105,6 +109,11 @@
       </a:defRPr>
     </a:lvl9pPr>
   </p:defaultTextStyle>
+  <p:extLst>
+    <p:ext uri="{EFAFB233-063F-42B5-8137-9DF3F51BA10A}">
+      <p15:sldGuideLst xmlns:p15="http://schemas.microsoft.com/office/powerpoint/2012/main"/>
+    </p:ext>
+  </p:extLst>
 </p:presentation>
 </file>
 
@@ -239,7 +248,7 @@
           <a:p>
             <a:fld id="{4B701730-059E-441D-B437-597A026E38E7}" type="datetimeFigureOut">
               <a:rPr lang="ko-KR" altLang="en-US" smtClean="0"/>
-              <a:t>2021-05-08</a:t>
+              <a:t>2021-05-12</a:t>
             </a:fld>
             <a:endParaRPr lang="ko-KR" altLang="en-US"/>
           </a:p>
@@ -409,7 +418,7 @@
           <a:p>
             <a:fld id="{4B701730-059E-441D-B437-597A026E38E7}" type="datetimeFigureOut">
               <a:rPr lang="ko-KR" altLang="en-US" smtClean="0"/>
-              <a:t>2021-05-08</a:t>
+              <a:t>2021-05-12</a:t>
             </a:fld>
             <a:endParaRPr lang="ko-KR" altLang="en-US"/>
           </a:p>
@@ -589,7 +598,7 @@
           <a:p>
             <a:fld id="{4B701730-059E-441D-B437-597A026E38E7}" type="datetimeFigureOut">
               <a:rPr lang="ko-KR" altLang="en-US" smtClean="0"/>
-              <a:t>2021-05-08</a:t>
+              <a:t>2021-05-12</a:t>
             </a:fld>
             <a:endParaRPr lang="ko-KR" altLang="en-US"/>
           </a:p>
@@ -759,7 +768,7 @@
           <a:p>
             <a:fld id="{4B701730-059E-441D-B437-597A026E38E7}" type="datetimeFigureOut">
               <a:rPr lang="ko-KR" altLang="en-US" smtClean="0"/>
-              <a:t>2021-05-08</a:t>
+              <a:t>2021-05-12</a:t>
             </a:fld>
             <a:endParaRPr lang="ko-KR" altLang="en-US"/>
           </a:p>
@@ -1005,7 +1014,7 @@
           <a:p>
             <a:fld id="{4B701730-059E-441D-B437-597A026E38E7}" type="datetimeFigureOut">
               <a:rPr lang="ko-KR" altLang="en-US" smtClean="0"/>
-              <a:t>2021-05-08</a:t>
+              <a:t>2021-05-12</a:t>
             </a:fld>
             <a:endParaRPr lang="ko-KR" altLang="en-US"/>
           </a:p>
@@ -1237,7 +1246,7 @@
           <a:p>
             <a:fld id="{4B701730-059E-441D-B437-597A026E38E7}" type="datetimeFigureOut">
               <a:rPr lang="ko-KR" altLang="en-US" smtClean="0"/>
-              <a:t>2021-05-08</a:t>
+              <a:t>2021-05-12</a:t>
             </a:fld>
             <a:endParaRPr lang="ko-KR" altLang="en-US"/>
           </a:p>
@@ -1604,7 +1613,7 @@
           <a:p>
             <a:fld id="{4B701730-059E-441D-B437-597A026E38E7}" type="datetimeFigureOut">
               <a:rPr lang="ko-KR" altLang="en-US" smtClean="0"/>
-              <a:t>2021-05-08</a:t>
+              <a:t>2021-05-12</a:t>
             </a:fld>
             <a:endParaRPr lang="ko-KR" altLang="en-US"/>
           </a:p>
@@ -1722,7 +1731,7 @@
           <a:p>
             <a:fld id="{4B701730-059E-441D-B437-597A026E38E7}" type="datetimeFigureOut">
               <a:rPr lang="ko-KR" altLang="en-US" smtClean="0"/>
-              <a:t>2021-05-08</a:t>
+              <a:t>2021-05-12</a:t>
             </a:fld>
             <a:endParaRPr lang="ko-KR" altLang="en-US"/>
           </a:p>
@@ -1817,7 +1826,7 @@
           <a:p>
             <a:fld id="{4B701730-059E-441D-B437-597A026E38E7}" type="datetimeFigureOut">
               <a:rPr lang="ko-KR" altLang="en-US" smtClean="0"/>
-              <a:t>2021-05-08</a:t>
+              <a:t>2021-05-12</a:t>
             </a:fld>
             <a:endParaRPr lang="ko-KR" altLang="en-US"/>
           </a:p>
@@ -2094,7 +2103,7 @@
           <a:p>
             <a:fld id="{4B701730-059E-441D-B437-597A026E38E7}" type="datetimeFigureOut">
               <a:rPr lang="ko-KR" altLang="en-US" smtClean="0"/>
-              <a:t>2021-05-08</a:t>
+              <a:t>2021-05-12</a:t>
             </a:fld>
             <a:endParaRPr lang="ko-KR" altLang="en-US"/>
           </a:p>
@@ -2347,7 +2356,7 @@
           <a:p>
             <a:fld id="{4B701730-059E-441D-B437-597A026E38E7}" type="datetimeFigureOut">
               <a:rPr lang="ko-KR" altLang="en-US" smtClean="0"/>
-              <a:t>2021-05-08</a:t>
+              <a:t>2021-05-12</a:t>
             </a:fld>
             <a:endParaRPr lang="ko-KR" altLang="en-US"/>
           </a:p>
@@ -2560,7 +2569,7 @@
           <a:p>
             <a:fld id="{4B701730-059E-441D-B437-597A026E38E7}" type="datetimeFigureOut">
               <a:rPr lang="ko-KR" altLang="en-US" smtClean="0"/>
-              <a:t>2021-05-08</a:t>
+              <a:t>2021-05-12</a:t>
             </a:fld>
             <a:endParaRPr lang="ko-KR" altLang="en-US"/>
           </a:p>
@@ -3600,6 +3609,921 @@
 </p:sld>
 </file>
 
+<file path=ppt/slides/slide3.xml><?xml version="1.0" encoding="utf-8"?>
+<p:sld xmlns:a="http://schemas.openxmlformats.org/drawingml/2006/main" xmlns:r="http://schemas.openxmlformats.org/officeDocument/2006/relationships" xmlns:p="http://schemas.openxmlformats.org/presentationml/2006/main">
+  <p:cSld>
+    <p:spTree>
+      <p:nvGrpSpPr>
+        <p:cNvPr id="1" name=""/>
+        <p:cNvGrpSpPr/>
+        <p:nvPr/>
+      </p:nvGrpSpPr>
+      <p:grpSpPr>
+        <a:xfrm>
+          <a:off x="0" y="0"/>
+          <a:ext cx="0" cy="0"/>
+          <a:chOff x="0" y="0"/>
+          <a:chExt cx="0" cy="0"/>
+        </a:xfrm>
+      </p:grpSpPr>
+      <p:sp>
+        <p:nvSpPr>
+          <p:cNvPr id="2" name="제목 1"/>
+          <p:cNvSpPr>
+            <a:spLocks noGrp="1"/>
+          </p:cNvSpPr>
+          <p:nvPr>
+            <p:ph type="title"/>
+          </p:nvPr>
+        </p:nvSpPr>
+        <p:spPr/>
+        <p:txBody>
+          <a:bodyPr/>
+          <a:lstStyle/>
+          <a:p>
+            <a:r>
+              <a:rPr lang="ko-KR" altLang="en-US" dirty="0" smtClean="0"/>
+              <a:t>타이머</a:t>
+            </a:r>
+            <a:r>
+              <a:rPr lang="en-US" altLang="ko-KR" dirty="0" smtClean="0"/>
+              <a:t>, </a:t>
+            </a:r>
+            <a:r>
+              <a:rPr lang="ko-KR" altLang="en-US" dirty="0" smtClean="0"/>
+              <a:t>낮 밤</a:t>
+            </a:r>
+            <a:endParaRPr lang="ko-KR" altLang="en-US" dirty="0"/>
+          </a:p>
+        </p:txBody>
+      </p:sp>
+      <p:sp>
+        <p:nvSpPr>
+          <p:cNvPr id="5" name="해 4"/>
+          <p:cNvSpPr/>
+          <p:nvPr/>
+        </p:nvSpPr>
+        <p:spPr>
+          <a:xfrm>
+            <a:off x="3914775" y="2578893"/>
+            <a:ext cx="1785937" cy="1800000"/>
+          </a:xfrm>
+          <a:prstGeom prst="sun">
+            <a:avLst>
+              <a:gd name="adj" fmla="val 24200"/>
+            </a:avLst>
+          </a:prstGeom>
+          <a:solidFill>
+            <a:schemeClr val="accent2"/>
+          </a:solidFill>
+          <a:ln w="38100">
+            <a:solidFill>
+              <a:schemeClr val="tx1"/>
+            </a:solidFill>
+          </a:ln>
+        </p:spPr>
+        <p:style>
+          <a:lnRef idx="2">
+            <a:schemeClr val="accent1">
+              <a:shade val="50000"/>
+            </a:schemeClr>
+          </a:lnRef>
+          <a:fillRef idx="1">
+            <a:schemeClr val="accent1"/>
+          </a:fillRef>
+          <a:effectRef idx="0">
+            <a:schemeClr val="accent1"/>
+          </a:effectRef>
+          <a:fontRef idx="minor">
+            <a:schemeClr val="lt1"/>
+          </a:fontRef>
+        </p:style>
+        <p:txBody>
+          <a:bodyPr rtlCol="0" anchor="ctr"/>
+          <a:lstStyle/>
+          <a:p>
+            <a:pPr algn="ctr"/>
+            <a:endParaRPr lang="ko-KR" altLang="en-US"/>
+          </a:p>
+        </p:txBody>
+      </p:sp>
+      <p:sp>
+        <p:nvSpPr>
+          <p:cNvPr id="6" name="달 5"/>
+          <p:cNvSpPr/>
+          <p:nvPr/>
+        </p:nvSpPr>
+        <p:spPr>
+          <a:xfrm>
+            <a:off x="7815262" y="2536032"/>
+            <a:ext cx="985838" cy="1800000"/>
+          </a:xfrm>
+          <a:prstGeom prst="moon">
+            <a:avLst>
+              <a:gd name="adj" fmla="val 51449"/>
+            </a:avLst>
+          </a:prstGeom>
+          <a:solidFill>
+            <a:schemeClr val="bg1">
+              <a:lumMod val="85000"/>
+            </a:schemeClr>
+          </a:solidFill>
+          <a:ln w="38100">
+            <a:solidFill>
+              <a:schemeClr val="tx1"/>
+            </a:solidFill>
+          </a:ln>
+        </p:spPr>
+        <p:style>
+          <a:lnRef idx="2">
+            <a:schemeClr val="accent1">
+              <a:shade val="50000"/>
+            </a:schemeClr>
+          </a:lnRef>
+          <a:fillRef idx="1">
+            <a:schemeClr val="accent1"/>
+          </a:fillRef>
+          <a:effectRef idx="0">
+            <a:schemeClr val="accent1"/>
+          </a:effectRef>
+          <a:fontRef idx="minor">
+            <a:schemeClr val="lt1"/>
+          </a:fontRef>
+        </p:style>
+        <p:txBody>
+          <a:bodyPr rtlCol="0" anchor="ctr"/>
+          <a:lstStyle/>
+          <a:p>
+            <a:pPr algn="ctr"/>
+            <a:endParaRPr lang="ko-KR" altLang="en-US"/>
+          </a:p>
+        </p:txBody>
+      </p:sp>
+    </p:spTree>
+    <p:extLst>
+      <p:ext uri="{BB962C8B-B14F-4D97-AF65-F5344CB8AC3E}">
+        <p14:creationId xmlns:p14="http://schemas.microsoft.com/office/powerpoint/2010/main" val="3493196922"/>
+      </p:ext>
+    </p:extLst>
+  </p:cSld>
+  <p:clrMapOvr>
+    <a:masterClrMapping/>
+  </p:clrMapOvr>
+</p:sld>
+</file>
+
+<file path=ppt/slides/slide4.xml><?xml version="1.0" encoding="utf-8"?>
+<p:sld xmlns:a="http://schemas.openxmlformats.org/drawingml/2006/main" xmlns:r="http://schemas.openxmlformats.org/officeDocument/2006/relationships" xmlns:p="http://schemas.openxmlformats.org/presentationml/2006/main">
+  <p:cSld>
+    <p:spTree>
+      <p:nvGrpSpPr>
+        <p:cNvPr id="1" name=""/>
+        <p:cNvGrpSpPr/>
+        <p:nvPr/>
+      </p:nvGrpSpPr>
+      <p:grpSpPr>
+        <a:xfrm>
+          <a:off x="0" y="0"/>
+          <a:ext cx="0" cy="0"/>
+          <a:chOff x="0" y="0"/>
+          <a:chExt cx="0" cy="0"/>
+        </a:xfrm>
+      </p:grpSpPr>
+      <p:sp>
+        <p:nvSpPr>
+          <p:cNvPr id="8" name="직사각형 7"/>
+          <p:cNvSpPr/>
+          <p:nvPr/>
+        </p:nvSpPr>
+        <p:spPr>
+          <a:xfrm>
+            <a:off x="2686050" y="1936251"/>
+            <a:ext cx="5760000" cy="720000"/>
+          </a:xfrm>
+          <a:prstGeom prst="rect">
+            <a:avLst/>
+          </a:prstGeom>
+          <a:solidFill>
+            <a:srgbClr val="FFCCFF"/>
+          </a:solidFill>
+          <a:ln w="38100">
+            <a:solidFill>
+              <a:srgbClr val="FF3300"/>
+            </a:solidFill>
+          </a:ln>
+        </p:spPr>
+        <p:style>
+          <a:lnRef idx="2">
+            <a:schemeClr val="accent1">
+              <a:shade val="50000"/>
+            </a:schemeClr>
+          </a:lnRef>
+          <a:fillRef idx="1">
+            <a:schemeClr val="accent1"/>
+          </a:fillRef>
+          <a:effectRef idx="0">
+            <a:schemeClr val="accent1"/>
+          </a:effectRef>
+          <a:fontRef idx="minor">
+            <a:schemeClr val="lt1"/>
+          </a:fontRef>
+        </p:style>
+        <p:txBody>
+          <a:bodyPr rtlCol="0" anchor="ctr"/>
+          <a:lstStyle/>
+          <a:p>
+            <a:pPr algn="ctr"/>
+            <a:endParaRPr lang="ko-KR" altLang="en-US"/>
+          </a:p>
+        </p:txBody>
+      </p:sp>
+      <p:sp>
+        <p:nvSpPr>
+          <p:cNvPr id="2" name="제목 1"/>
+          <p:cNvSpPr>
+            <a:spLocks noGrp="1"/>
+          </p:cNvSpPr>
+          <p:nvPr>
+            <p:ph type="title"/>
+          </p:nvPr>
+        </p:nvSpPr>
+        <p:spPr/>
+        <p:txBody>
+          <a:bodyPr/>
+          <a:lstStyle/>
+          <a:p>
+            <a:r>
+              <a:rPr lang="en-US" altLang="ko-KR" dirty="0" smtClean="0"/>
+              <a:t>HP, MP</a:t>
+            </a:r>
+            <a:endParaRPr lang="ko-KR" altLang="en-US" dirty="0"/>
+          </a:p>
+        </p:txBody>
+      </p:sp>
+      <p:sp>
+        <p:nvSpPr>
+          <p:cNvPr id="9" name="직사각형 8"/>
+          <p:cNvSpPr/>
+          <p:nvPr/>
+        </p:nvSpPr>
+        <p:spPr>
+          <a:xfrm>
+            <a:off x="2686050" y="2996700"/>
+            <a:ext cx="5760000" cy="720000"/>
+          </a:xfrm>
+          <a:prstGeom prst="rect">
+            <a:avLst/>
+          </a:prstGeom>
+          <a:solidFill>
+            <a:srgbClr val="FF3300"/>
+          </a:solidFill>
+          <a:ln>
+            <a:noFill/>
+          </a:ln>
+        </p:spPr>
+        <p:style>
+          <a:lnRef idx="2">
+            <a:schemeClr val="accent1">
+              <a:shade val="50000"/>
+            </a:schemeClr>
+          </a:lnRef>
+          <a:fillRef idx="1">
+            <a:schemeClr val="accent1"/>
+          </a:fillRef>
+          <a:effectRef idx="0">
+            <a:schemeClr val="accent1"/>
+          </a:effectRef>
+          <a:fontRef idx="minor">
+            <a:schemeClr val="lt1"/>
+          </a:fontRef>
+        </p:style>
+        <p:txBody>
+          <a:bodyPr rtlCol="0" anchor="ctr"/>
+          <a:lstStyle/>
+          <a:p>
+            <a:pPr algn="ctr"/>
+            <a:endParaRPr lang="ko-KR" altLang="en-US"/>
+          </a:p>
+        </p:txBody>
+      </p:sp>
+      <p:sp>
+        <p:nvSpPr>
+          <p:cNvPr id="10" name="직사각형 9"/>
+          <p:cNvSpPr/>
+          <p:nvPr/>
+        </p:nvSpPr>
+        <p:spPr>
+          <a:xfrm>
+            <a:off x="2686050" y="4322263"/>
+            <a:ext cx="5760000" cy="720000"/>
+          </a:xfrm>
+          <a:prstGeom prst="rect">
+            <a:avLst/>
+          </a:prstGeom>
+          <a:solidFill>
+            <a:srgbClr val="33CCFF"/>
+          </a:solidFill>
+          <a:ln w="38100">
+            <a:solidFill>
+              <a:schemeClr val="accent5"/>
+            </a:solidFill>
+          </a:ln>
+        </p:spPr>
+        <p:style>
+          <a:lnRef idx="2">
+            <a:schemeClr val="accent1">
+              <a:shade val="50000"/>
+            </a:schemeClr>
+          </a:lnRef>
+          <a:fillRef idx="1">
+            <a:schemeClr val="accent1"/>
+          </a:fillRef>
+          <a:effectRef idx="0">
+            <a:schemeClr val="accent1"/>
+          </a:effectRef>
+          <a:fontRef idx="minor">
+            <a:schemeClr val="lt1"/>
+          </a:fontRef>
+        </p:style>
+        <p:txBody>
+          <a:bodyPr rtlCol="0" anchor="ctr"/>
+          <a:lstStyle/>
+          <a:p>
+            <a:pPr algn="ctr"/>
+            <a:endParaRPr lang="ko-KR" altLang="en-US"/>
+          </a:p>
+        </p:txBody>
+      </p:sp>
+      <p:sp>
+        <p:nvSpPr>
+          <p:cNvPr id="11" name="직사각형 10"/>
+          <p:cNvSpPr/>
+          <p:nvPr/>
+        </p:nvSpPr>
+        <p:spPr>
+          <a:xfrm>
+            <a:off x="2686050" y="5493476"/>
+            <a:ext cx="5760000" cy="720000"/>
+          </a:xfrm>
+          <a:prstGeom prst="rect">
+            <a:avLst/>
+          </a:prstGeom>
+          <a:solidFill>
+            <a:srgbClr val="0066FF"/>
+          </a:solidFill>
+          <a:ln>
+            <a:noFill/>
+          </a:ln>
+        </p:spPr>
+        <p:style>
+          <a:lnRef idx="2">
+            <a:schemeClr val="accent1">
+              <a:shade val="50000"/>
+            </a:schemeClr>
+          </a:lnRef>
+          <a:fillRef idx="1">
+            <a:schemeClr val="accent1"/>
+          </a:fillRef>
+          <a:effectRef idx="0">
+            <a:schemeClr val="accent1"/>
+          </a:effectRef>
+          <a:fontRef idx="minor">
+            <a:schemeClr val="lt1"/>
+          </a:fontRef>
+        </p:style>
+        <p:txBody>
+          <a:bodyPr rtlCol="0" anchor="ctr"/>
+          <a:lstStyle/>
+          <a:p>
+            <a:pPr algn="ctr"/>
+            <a:endParaRPr lang="ko-KR" altLang="en-US"/>
+          </a:p>
+        </p:txBody>
+      </p:sp>
+    </p:spTree>
+    <p:extLst>
+      <p:ext uri="{BB962C8B-B14F-4D97-AF65-F5344CB8AC3E}">
+        <p14:creationId xmlns:p14="http://schemas.microsoft.com/office/powerpoint/2010/main" val="3266553"/>
+      </p:ext>
+    </p:extLst>
+  </p:cSld>
+  <p:clrMapOvr>
+    <a:masterClrMapping/>
+  </p:clrMapOvr>
+</p:sld>
+</file>
+
+<file path=ppt/slides/slide5.xml><?xml version="1.0" encoding="utf-8"?>
+<p:sld xmlns:a="http://schemas.openxmlformats.org/drawingml/2006/main" xmlns:r="http://schemas.openxmlformats.org/officeDocument/2006/relationships" xmlns:p="http://schemas.openxmlformats.org/presentationml/2006/main">
+  <p:cSld>
+    <p:spTree>
+      <p:nvGrpSpPr>
+        <p:cNvPr id="1" name=""/>
+        <p:cNvGrpSpPr/>
+        <p:nvPr/>
+      </p:nvGrpSpPr>
+      <p:grpSpPr>
+        <a:xfrm>
+          <a:off x="0" y="0"/>
+          <a:ext cx="0" cy="0"/>
+          <a:chOff x="0" y="0"/>
+          <a:chExt cx="0" cy="0"/>
+        </a:xfrm>
+      </p:grpSpPr>
+      <p:sp>
+        <p:nvSpPr>
+          <p:cNvPr id="2" name="제목 1"/>
+          <p:cNvSpPr>
+            <a:spLocks noGrp="1"/>
+          </p:cNvSpPr>
+          <p:nvPr>
+            <p:ph type="title"/>
+          </p:nvPr>
+        </p:nvSpPr>
+        <p:spPr/>
+        <p:txBody>
+          <a:bodyPr/>
+          <a:lstStyle/>
+          <a:p>
+            <a:r>
+              <a:rPr lang="ko-KR" altLang="en-US" dirty="0" smtClean="0"/>
+              <a:t>목표</a:t>
+            </a:r>
+            <a:endParaRPr lang="ko-KR" altLang="en-US" dirty="0"/>
+          </a:p>
+        </p:txBody>
+      </p:sp>
+      <p:sp>
+        <p:nvSpPr>
+          <p:cNvPr id="5" name="모서리가 둥근 직사각형 4"/>
+          <p:cNvSpPr/>
+          <p:nvPr/>
+        </p:nvSpPr>
+        <p:spPr>
+          <a:xfrm>
+            <a:off x="3800477" y="870744"/>
+            <a:ext cx="2880000" cy="4680000"/>
+          </a:xfrm>
+          <a:prstGeom prst="roundRect">
+            <a:avLst/>
+          </a:prstGeom>
+          <a:solidFill>
+            <a:srgbClr val="CCFFCC"/>
+          </a:solidFill>
+          <a:ln w="38100">
+            <a:solidFill>
+              <a:srgbClr val="003399"/>
+            </a:solidFill>
+          </a:ln>
+        </p:spPr>
+        <p:style>
+          <a:lnRef idx="2">
+            <a:schemeClr val="accent1">
+              <a:shade val="50000"/>
+            </a:schemeClr>
+          </a:lnRef>
+          <a:fillRef idx="1">
+            <a:schemeClr val="accent1"/>
+          </a:fillRef>
+          <a:effectRef idx="0">
+            <a:schemeClr val="accent1"/>
+          </a:effectRef>
+          <a:fontRef idx="minor">
+            <a:schemeClr val="lt1"/>
+          </a:fontRef>
+        </p:style>
+        <p:txBody>
+          <a:bodyPr rtlCol="0" anchor="ctr"/>
+          <a:lstStyle/>
+          <a:p>
+            <a:pPr algn="ctr"/>
+            <a:endParaRPr lang="ko-KR" altLang="en-US"/>
+          </a:p>
+        </p:txBody>
+      </p:sp>
+    </p:spTree>
+    <p:extLst>
+      <p:ext uri="{BB962C8B-B14F-4D97-AF65-F5344CB8AC3E}">
+        <p14:creationId xmlns:p14="http://schemas.microsoft.com/office/powerpoint/2010/main" val="2516507173"/>
+      </p:ext>
+    </p:extLst>
+  </p:cSld>
+  <p:clrMapOvr>
+    <a:masterClrMapping/>
+  </p:clrMapOvr>
+</p:sld>
+</file>
+
+<file path=ppt/slides/slide6.xml><?xml version="1.0" encoding="utf-8"?>
+<p:sld xmlns:a="http://schemas.openxmlformats.org/drawingml/2006/main" xmlns:r="http://schemas.openxmlformats.org/officeDocument/2006/relationships" xmlns:p="http://schemas.openxmlformats.org/presentationml/2006/main">
+  <p:cSld>
+    <p:spTree>
+      <p:nvGrpSpPr>
+        <p:cNvPr id="1" name=""/>
+        <p:cNvGrpSpPr/>
+        <p:nvPr/>
+      </p:nvGrpSpPr>
+      <p:grpSpPr>
+        <a:xfrm>
+          <a:off x="0" y="0"/>
+          <a:ext cx="0" cy="0"/>
+          <a:chOff x="0" y="0"/>
+          <a:chExt cx="0" cy="0"/>
+        </a:xfrm>
+      </p:grpSpPr>
+      <p:sp>
+        <p:nvSpPr>
+          <p:cNvPr id="10" name="직사각형 9"/>
+          <p:cNvSpPr/>
+          <p:nvPr/>
+        </p:nvSpPr>
+        <p:spPr>
+          <a:xfrm>
+            <a:off x="7307213" y="3013818"/>
+            <a:ext cx="1296000" cy="1296000"/>
+          </a:xfrm>
+          <a:prstGeom prst="rect">
+            <a:avLst/>
+          </a:prstGeom>
+          <a:solidFill>
+            <a:schemeClr val="bg2"/>
+          </a:solidFill>
+          <a:ln w="38100">
+            <a:solidFill>
+              <a:schemeClr val="tx1"/>
+            </a:solidFill>
+          </a:ln>
+        </p:spPr>
+        <p:style>
+          <a:lnRef idx="2">
+            <a:schemeClr val="accent1">
+              <a:shade val="50000"/>
+            </a:schemeClr>
+          </a:lnRef>
+          <a:fillRef idx="1">
+            <a:schemeClr val="accent1"/>
+          </a:fillRef>
+          <a:effectRef idx="0">
+            <a:schemeClr val="accent1"/>
+          </a:effectRef>
+          <a:fontRef idx="minor">
+            <a:schemeClr val="lt1"/>
+          </a:fontRef>
+        </p:style>
+        <p:txBody>
+          <a:bodyPr rtlCol="0" anchor="ctr"/>
+          <a:lstStyle/>
+          <a:p>
+            <a:pPr algn="ctr"/>
+            <a:endParaRPr lang="ko-KR" altLang="en-US"/>
+          </a:p>
+        </p:txBody>
+      </p:sp>
+      <p:sp>
+        <p:nvSpPr>
+          <p:cNvPr id="9" name="직사각형 8"/>
+          <p:cNvSpPr/>
+          <p:nvPr/>
+        </p:nvSpPr>
+        <p:spPr>
+          <a:xfrm>
+            <a:off x="4908000" y="3013818"/>
+            <a:ext cx="1296000" cy="1296000"/>
+          </a:xfrm>
+          <a:prstGeom prst="rect">
+            <a:avLst/>
+          </a:prstGeom>
+          <a:solidFill>
+            <a:schemeClr val="bg2"/>
+          </a:solidFill>
+          <a:ln w="38100">
+            <a:solidFill>
+              <a:schemeClr val="tx1"/>
+            </a:solidFill>
+          </a:ln>
+        </p:spPr>
+        <p:style>
+          <a:lnRef idx="2">
+            <a:schemeClr val="accent1">
+              <a:shade val="50000"/>
+            </a:schemeClr>
+          </a:lnRef>
+          <a:fillRef idx="1">
+            <a:schemeClr val="accent1"/>
+          </a:fillRef>
+          <a:effectRef idx="0">
+            <a:schemeClr val="accent1"/>
+          </a:effectRef>
+          <a:fontRef idx="minor">
+            <a:schemeClr val="lt1"/>
+          </a:fontRef>
+        </p:style>
+        <p:txBody>
+          <a:bodyPr rtlCol="0" anchor="ctr"/>
+          <a:lstStyle/>
+          <a:p>
+            <a:pPr algn="ctr"/>
+            <a:endParaRPr lang="ko-KR" altLang="en-US"/>
+          </a:p>
+        </p:txBody>
+      </p:sp>
+      <p:sp>
+        <p:nvSpPr>
+          <p:cNvPr id="8" name="직사각형 7"/>
+          <p:cNvSpPr/>
+          <p:nvPr/>
+        </p:nvSpPr>
+        <p:spPr>
+          <a:xfrm>
+            <a:off x="2508787" y="3013818"/>
+            <a:ext cx="1296000" cy="1296000"/>
+          </a:xfrm>
+          <a:prstGeom prst="rect">
+            <a:avLst/>
+          </a:prstGeom>
+          <a:solidFill>
+            <a:schemeClr val="bg2"/>
+          </a:solidFill>
+          <a:ln w="38100">
+            <a:solidFill>
+              <a:schemeClr val="tx1"/>
+            </a:solidFill>
+          </a:ln>
+        </p:spPr>
+        <p:style>
+          <a:lnRef idx="2">
+            <a:schemeClr val="accent1">
+              <a:shade val="50000"/>
+            </a:schemeClr>
+          </a:lnRef>
+          <a:fillRef idx="1">
+            <a:schemeClr val="accent1"/>
+          </a:fillRef>
+          <a:effectRef idx="0">
+            <a:schemeClr val="accent1"/>
+          </a:effectRef>
+          <a:fontRef idx="minor">
+            <a:schemeClr val="lt1"/>
+          </a:fontRef>
+        </p:style>
+        <p:txBody>
+          <a:bodyPr rtlCol="0" anchor="ctr"/>
+          <a:lstStyle/>
+          <a:p>
+            <a:pPr algn="ctr"/>
+            <a:endParaRPr lang="ko-KR" altLang="en-US"/>
+          </a:p>
+        </p:txBody>
+      </p:sp>
+      <p:sp>
+        <p:nvSpPr>
+          <p:cNvPr id="2" name="제목 1"/>
+          <p:cNvSpPr>
+            <a:spLocks noGrp="1"/>
+          </p:cNvSpPr>
+          <p:nvPr>
+            <p:ph type="title"/>
+          </p:nvPr>
+        </p:nvSpPr>
+        <p:spPr>
+          <a:xfrm>
+            <a:off x="838200" y="422275"/>
+            <a:ext cx="10515600" cy="1325563"/>
+          </a:xfrm>
+        </p:spPr>
+        <p:txBody>
+          <a:bodyPr/>
+          <a:lstStyle/>
+          <a:p>
+            <a:r>
+              <a:rPr lang="ko-KR" altLang="en-US" dirty="0" smtClean="0"/>
+              <a:t>스킬</a:t>
+            </a:r>
+            <a:endParaRPr lang="ko-KR" altLang="en-US" dirty="0"/>
+          </a:p>
+        </p:txBody>
+      </p:sp>
+      <p:sp>
+        <p:nvSpPr>
+          <p:cNvPr id="4" name="등호 3"/>
+          <p:cNvSpPr/>
+          <p:nvPr/>
+        </p:nvSpPr>
+        <p:spPr>
+          <a:xfrm rot="5400000">
+            <a:off x="5016000" y="3121818"/>
+            <a:ext cx="1080000" cy="1080000"/>
+          </a:xfrm>
+          <a:prstGeom prst="mathEqual">
+            <a:avLst>
+              <a:gd name="adj1" fmla="val 24839"/>
+              <a:gd name="adj2" fmla="val 26510"/>
+            </a:avLst>
+          </a:prstGeom>
+          <a:solidFill>
+            <a:schemeClr val="accent6">
+              <a:lumMod val="40000"/>
+              <a:lumOff val="60000"/>
+            </a:schemeClr>
+          </a:solidFill>
+          <a:ln w="38100">
+            <a:solidFill>
+              <a:schemeClr val="tx1"/>
+            </a:solidFill>
+          </a:ln>
+        </p:spPr>
+        <p:style>
+          <a:lnRef idx="2">
+            <a:schemeClr val="accent1">
+              <a:shade val="50000"/>
+            </a:schemeClr>
+          </a:lnRef>
+          <a:fillRef idx="1">
+            <a:schemeClr val="accent1"/>
+          </a:fillRef>
+          <a:effectRef idx="0">
+            <a:schemeClr val="accent1"/>
+          </a:effectRef>
+          <a:fontRef idx="minor">
+            <a:schemeClr val="lt1"/>
+          </a:fontRef>
+        </p:style>
+        <p:txBody>
+          <a:bodyPr rtlCol="0" anchor="ctr"/>
+          <a:lstStyle/>
+          <a:p>
+            <a:pPr algn="ctr"/>
+            <a:endParaRPr lang="ko-KR" altLang="en-US">
+              <a:solidFill>
+                <a:schemeClr val="tx1"/>
+              </a:solidFill>
+            </a:endParaRPr>
+          </a:p>
+        </p:txBody>
+      </p:sp>
+      <p:sp>
+        <p:nvSpPr>
+          <p:cNvPr id="6" name="오른쪽 화살표 5"/>
+          <p:cNvSpPr/>
+          <p:nvPr/>
+        </p:nvSpPr>
+        <p:spPr>
+          <a:xfrm>
+            <a:off x="7415212" y="3121818"/>
+            <a:ext cx="1080000" cy="1080000"/>
+          </a:xfrm>
+          <a:prstGeom prst="rightArrow">
+            <a:avLst>
+              <a:gd name="adj1" fmla="val 44708"/>
+              <a:gd name="adj2" fmla="val 43385"/>
+            </a:avLst>
+          </a:prstGeom>
+          <a:solidFill>
+            <a:srgbClr val="FF3300"/>
+          </a:solidFill>
+          <a:ln w="38100">
+            <a:solidFill>
+              <a:schemeClr val="tx1"/>
+            </a:solidFill>
+          </a:ln>
+        </p:spPr>
+        <p:style>
+          <a:lnRef idx="2">
+            <a:schemeClr val="accent1">
+              <a:shade val="50000"/>
+            </a:schemeClr>
+          </a:lnRef>
+          <a:fillRef idx="1">
+            <a:schemeClr val="accent1"/>
+          </a:fillRef>
+          <a:effectRef idx="0">
+            <a:schemeClr val="accent1"/>
+          </a:effectRef>
+          <a:fontRef idx="minor">
+            <a:schemeClr val="lt1"/>
+          </a:fontRef>
+        </p:style>
+        <p:txBody>
+          <a:bodyPr rtlCol="0" anchor="ctr"/>
+          <a:lstStyle/>
+          <a:p>
+            <a:pPr algn="ctr"/>
+            <a:endParaRPr lang="ko-KR" altLang="en-US"/>
+          </a:p>
+        </p:txBody>
+      </p:sp>
+      <p:sp>
+        <p:nvSpPr>
+          <p:cNvPr id="7" name="오른쪽 화살표 6"/>
+          <p:cNvSpPr/>
+          <p:nvPr/>
+        </p:nvSpPr>
+        <p:spPr>
+          <a:xfrm rot="10800000">
+            <a:off x="2616788" y="3121818"/>
+            <a:ext cx="1080000" cy="1080000"/>
+          </a:xfrm>
+          <a:prstGeom prst="rightArrow">
+            <a:avLst>
+              <a:gd name="adj1" fmla="val 44708"/>
+              <a:gd name="adj2" fmla="val 43385"/>
+            </a:avLst>
+          </a:prstGeom>
+          <a:solidFill>
+            <a:srgbClr val="6699FF"/>
+          </a:solidFill>
+          <a:ln w="38100">
+            <a:solidFill>
+              <a:schemeClr val="tx1"/>
+            </a:solidFill>
+          </a:ln>
+        </p:spPr>
+        <p:style>
+          <a:lnRef idx="2">
+            <a:schemeClr val="accent1">
+              <a:shade val="50000"/>
+            </a:schemeClr>
+          </a:lnRef>
+          <a:fillRef idx="1">
+            <a:schemeClr val="accent1"/>
+          </a:fillRef>
+          <a:effectRef idx="0">
+            <a:schemeClr val="accent1"/>
+          </a:effectRef>
+          <a:fontRef idx="minor">
+            <a:schemeClr val="lt1"/>
+          </a:fontRef>
+        </p:style>
+        <p:txBody>
+          <a:bodyPr rtlCol="0" anchor="ctr"/>
+          <a:lstStyle/>
+          <a:p>
+            <a:pPr algn="ctr"/>
+            <a:endParaRPr lang="ko-KR" altLang="en-US"/>
+          </a:p>
+        </p:txBody>
+      </p:sp>
+      <p:sp>
+        <p:nvSpPr>
+          <p:cNvPr id="11" name="직사각형 10"/>
+          <p:cNvSpPr/>
+          <p:nvPr/>
+        </p:nvSpPr>
+        <p:spPr>
+          <a:xfrm>
+            <a:off x="4926000" y="4823296"/>
+            <a:ext cx="1260000" cy="1260000"/>
+          </a:xfrm>
+          <a:prstGeom prst="rect">
+            <a:avLst/>
+          </a:prstGeom>
+          <a:solidFill>
+            <a:schemeClr val="tx1">
+              <a:alpha val="50000"/>
+            </a:schemeClr>
+          </a:solidFill>
+          <a:ln w="38100">
+            <a:noFill/>
+          </a:ln>
+        </p:spPr>
+        <p:style>
+          <a:lnRef idx="2">
+            <a:schemeClr val="accent1">
+              <a:shade val="50000"/>
+            </a:schemeClr>
+          </a:lnRef>
+          <a:fillRef idx="1">
+            <a:schemeClr val="accent1"/>
+          </a:fillRef>
+          <a:effectRef idx="0">
+            <a:schemeClr val="accent1"/>
+          </a:effectRef>
+          <a:fontRef idx="minor">
+            <a:schemeClr val="lt1"/>
+          </a:fontRef>
+        </p:style>
+        <p:txBody>
+          <a:bodyPr rtlCol="0" anchor="ctr"/>
+          <a:lstStyle/>
+          <a:p>
+            <a:pPr algn="ctr"/>
+            <a:endParaRPr lang="ko-KR" altLang="en-US" dirty="0"/>
+          </a:p>
+        </p:txBody>
+      </p:sp>
+    </p:spTree>
+    <p:extLst>
+      <p:ext uri="{BB962C8B-B14F-4D97-AF65-F5344CB8AC3E}">
+        <p14:creationId xmlns:p14="http://schemas.microsoft.com/office/powerpoint/2010/main" val="292527980"/>
+      </p:ext>
+    </p:extLst>
+  </p:cSld>
+  <p:clrMapOvr>
+    <a:masterClrMapping/>
+  </p:clrMapOvr>
+</p:sld>
+</file>
+
 <file path=ppt/theme/theme1.xml><?xml version="1.0" encoding="utf-8"?>
 <a:theme xmlns:a="http://schemas.openxmlformats.org/drawingml/2006/main" name="Office 테마">
   <a:themeElements>

--- a/리소스 제작.pptx
+++ b/리소스 제작.pptx
@@ -11,6 +11,7 @@
     <p:sldId id="259" r:id="rId5"/>
     <p:sldId id="260" r:id="rId6"/>
     <p:sldId id="261" r:id="rId7"/>
+    <p:sldId id="262" r:id="rId8"/>
   </p:sldIdLst>
   <p:sldSz cx="12192000" cy="6858000"/>
   <p:notesSz cx="6858000" cy="9144000"/>
@@ -4524,6 +4525,86 @@
 </p:sld>
 </file>
 
+<file path=ppt/slides/slide7.xml><?xml version="1.0" encoding="utf-8"?>
+<p:sld xmlns:a="http://schemas.openxmlformats.org/drawingml/2006/main" xmlns:r="http://schemas.openxmlformats.org/officeDocument/2006/relationships" xmlns:p="http://schemas.openxmlformats.org/presentationml/2006/main">
+  <p:cSld>
+    <p:spTree>
+      <p:nvGrpSpPr>
+        <p:cNvPr id="1" name=""/>
+        <p:cNvGrpSpPr/>
+        <p:nvPr/>
+      </p:nvGrpSpPr>
+      <p:grpSpPr>
+        <a:xfrm>
+          <a:off x="0" y="0"/>
+          <a:ext cx="0" cy="0"/>
+          <a:chOff x="0" y="0"/>
+          <a:chExt cx="0" cy="0"/>
+        </a:xfrm>
+      </p:grpSpPr>
+      <p:sp>
+        <p:nvSpPr>
+          <p:cNvPr id="4" name="십자형 3"/>
+          <p:cNvSpPr/>
+          <p:nvPr/>
+        </p:nvSpPr>
+        <p:spPr>
+          <a:xfrm rot="18900000">
+            <a:off x="3858863" y="2051018"/>
+            <a:ext cx="1800000" cy="1800000"/>
+          </a:xfrm>
+          <a:prstGeom prst="plus">
+            <a:avLst>
+              <a:gd name="adj" fmla="val 34882"/>
+            </a:avLst>
+          </a:prstGeom>
+          <a:solidFill>
+            <a:srgbClr val="FF3300"/>
+          </a:solidFill>
+          <a:ln w="38100">
+            <a:solidFill>
+              <a:schemeClr val="tx1"/>
+            </a:solidFill>
+          </a:ln>
+        </p:spPr>
+        <p:style>
+          <a:lnRef idx="2">
+            <a:schemeClr val="accent1">
+              <a:shade val="50000"/>
+            </a:schemeClr>
+          </a:lnRef>
+          <a:fillRef idx="1">
+            <a:schemeClr val="accent1"/>
+          </a:fillRef>
+          <a:effectRef idx="0">
+            <a:schemeClr val="accent1"/>
+          </a:effectRef>
+          <a:fontRef idx="minor">
+            <a:schemeClr val="lt1"/>
+          </a:fontRef>
+        </p:style>
+        <p:txBody>
+          <a:bodyPr rtlCol="0" anchor="ctr"/>
+          <a:lstStyle/>
+          <a:p>
+            <a:pPr algn="ctr"/>
+            <a:endParaRPr lang="ko-KR" altLang="en-US"/>
+          </a:p>
+        </p:txBody>
+      </p:sp>
+    </p:spTree>
+    <p:extLst>
+      <p:ext uri="{BB962C8B-B14F-4D97-AF65-F5344CB8AC3E}">
+        <p14:creationId xmlns:p14="http://schemas.microsoft.com/office/powerpoint/2010/main" val="1021243798"/>
+      </p:ext>
+    </p:extLst>
+  </p:cSld>
+  <p:clrMapOvr>
+    <a:masterClrMapping/>
+  </p:clrMapOvr>
+</p:sld>
+</file>
+
 <file path=ppt/theme/theme1.xml><?xml version="1.0" encoding="utf-8"?>
 <a:theme xmlns:a="http://schemas.openxmlformats.org/drawingml/2006/main" name="Office 테마">
   <a:themeElements>

--- a/리소스 제작.pptx
+++ b/리소스 제작.pptx
@@ -12,6 +12,7 @@
     <p:sldId id="260" r:id="rId6"/>
     <p:sldId id="261" r:id="rId7"/>
     <p:sldId id="262" r:id="rId8"/>
+    <p:sldId id="263" r:id="rId9"/>
   </p:sldIdLst>
   <p:sldSz cx="12192000" cy="6858000"/>
   <p:notesSz cx="6858000" cy="9144000"/>
@@ -249,7 +250,7 @@
           <a:p>
             <a:fld id="{4B701730-059E-441D-B437-597A026E38E7}" type="datetimeFigureOut">
               <a:rPr lang="ko-KR" altLang="en-US" smtClean="0"/>
-              <a:t>2021-05-12</a:t>
+              <a:t>2021-06-22</a:t>
             </a:fld>
             <a:endParaRPr lang="ko-KR" altLang="en-US"/>
           </a:p>
@@ -419,7 +420,7 @@
           <a:p>
             <a:fld id="{4B701730-059E-441D-B437-597A026E38E7}" type="datetimeFigureOut">
               <a:rPr lang="ko-KR" altLang="en-US" smtClean="0"/>
-              <a:t>2021-05-12</a:t>
+              <a:t>2021-06-22</a:t>
             </a:fld>
             <a:endParaRPr lang="ko-KR" altLang="en-US"/>
           </a:p>
@@ -599,7 +600,7 @@
           <a:p>
             <a:fld id="{4B701730-059E-441D-B437-597A026E38E7}" type="datetimeFigureOut">
               <a:rPr lang="ko-KR" altLang="en-US" smtClean="0"/>
-              <a:t>2021-05-12</a:t>
+              <a:t>2021-06-22</a:t>
             </a:fld>
             <a:endParaRPr lang="ko-KR" altLang="en-US"/>
           </a:p>
@@ -769,7 +770,7 @@
           <a:p>
             <a:fld id="{4B701730-059E-441D-B437-597A026E38E7}" type="datetimeFigureOut">
               <a:rPr lang="ko-KR" altLang="en-US" smtClean="0"/>
-              <a:t>2021-05-12</a:t>
+              <a:t>2021-06-22</a:t>
             </a:fld>
             <a:endParaRPr lang="ko-KR" altLang="en-US"/>
           </a:p>
@@ -1015,7 +1016,7 @@
           <a:p>
             <a:fld id="{4B701730-059E-441D-B437-597A026E38E7}" type="datetimeFigureOut">
               <a:rPr lang="ko-KR" altLang="en-US" smtClean="0"/>
-              <a:t>2021-05-12</a:t>
+              <a:t>2021-06-22</a:t>
             </a:fld>
             <a:endParaRPr lang="ko-KR" altLang="en-US"/>
           </a:p>
@@ -1247,7 +1248,7 @@
           <a:p>
             <a:fld id="{4B701730-059E-441D-B437-597A026E38E7}" type="datetimeFigureOut">
               <a:rPr lang="ko-KR" altLang="en-US" smtClean="0"/>
-              <a:t>2021-05-12</a:t>
+              <a:t>2021-06-22</a:t>
             </a:fld>
             <a:endParaRPr lang="ko-KR" altLang="en-US"/>
           </a:p>
@@ -1614,7 +1615,7 @@
           <a:p>
             <a:fld id="{4B701730-059E-441D-B437-597A026E38E7}" type="datetimeFigureOut">
               <a:rPr lang="ko-KR" altLang="en-US" smtClean="0"/>
-              <a:t>2021-05-12</a:t>
+              <a:t>2021-06-22</a:t>
             </a:fld>
             <a:endParaRPr lang="ko-KR" altLang="en-US"/>
           </a:p>
@@ -1732,7 +1733,7 @@
           <a:p>
             <a:fld id="{4B701730-059E-441D-B437-597A026E38E7}" type="datetimeFigureOut">
               <a:rPr lang="ko-KR" altLang="en-US" smtClean="0"/>
-              <a:t>2021-05-12</a:t>
+              <a:t>2021-06-22</a:t>
             </a:fld>
             <a:endParaRPr lang="ko-KR" altLang="en-US"/>
           </a:p>
@@ -1827,7 +1828,7 @@
           <a:p>
             <a:fld id="{4B701730-059E-441D-B437-597A026E38E7}" type="datetimeFigureOut">
               <a:rPr lang="ko-KR" altLang="en-US" smtClean="0"/>
-              <a:t>2021-05-12</a:t>
+              <a:t>2021-06-22</a:t>
             </a:fld>
             <a:endParaRPr lang="ko-KR" altLang="en-US"/>
           </a:p>
@@ -2104,7 +2105,7 @@
           <a:p>
             <a:fld id="{4B701730-059E-441D-B437-597A026E38E7}" type="datetimeFigureOut">
               <a:rPr lang="ko-KR" altLang="en-US" smtClean="0"/>
-              <a:t>2021-05-12</a:t>
+              <a:t>2021-06-22</a:t>
             </a:fld>
             <a:endParaRPr lang="ko-KR" altLang="en-US"/>
           </a:p>
@@ -2357,7 +2358,7 @@
           <a:p>
             <a:fld id="{4B701730-059E-441D-B437-597A026E38E7}" type="datetimeFigureOut">
               <a:rPr lang="ko-KR" altLang="en-US" smtClean="0"/>
-              <a:t>2021-05-12</a:t>
+              <a:t>2021-06-22</a:t>
             </a:fld>
             <a:endParaRPr lang="ko-KR" altLang="en-US"/>
           </a:p>
@@ -2570,7 +2571,7 @@
           <a:p>
             <a:fld id="{4B701730-059E-441D-B437-597A026E38E7}" type="datetimeFigureOut">
               <a:rPr lang="ko-KR" altLang="en-US" smtClean="0"/>
-              <a:t>2021-05-12</a:t>
+              <a:t>2021-06-22</a:t>
             </a:fld>
             <a:endParaRPr lang="ko-KR" altLang="en-US"/>
           </a:p>
@@ -4605,6 +4606,82 @@
 </p:sld>
 </file>
 
+<file path=ppt/slides/slide8.xml><?xml version="1.0" encoding="utf-8"?>
+<p:sld xmlns:a="http://schemas.openxmlformats.org/drawingml/2006/main" xmlns:r="http://schemas.openxmlformats.org/officeDocument/2006/relationships" xmlns:p="http://schemas.openxmlformats.org/presentationml/2006/main">
+  <p:cSld>
+    <p:spTree>
+      <p:nvGrpSpPr>
+        <p:cNvPr id="1" name=""/>
+        <p:cNvGrpSpPr/>
+        <p:nvPr/>
+      </p:nvGrpSpPr>
+      <p:grpSpPr>
+        <a:xfrm>
+          <a:off x="0" y="0"/>
+          <a:ext cx="0" cy="0"/>
+          <a:chOff x="0" y="0"/>
+          <a:chExt cx="0" cy="0"/>
+        </a:xfrm>
+      </p:grpSpPr>
+      <p:pic>
+        <p:nvPicPr>
+          <p:cNvPr id="5" name="그림 4"/>
+          <p:cNvPicPr>
+            <a:picLocks noChangeAspect="1"/>
+          </p:cNvPicPr>
+          <p:nvPr/>
+        </p:nvPicPr>
+        <p:blipFill rotWithShape="1">
+          <a:blip r:embed="rId2"/>
+          <a:srcRect l="91209" t="1313" r="939" b="85959"/>
+          <a:stretch/>
+        </p:blipFill>
+        <p:spPr>
+          <a:xfrm>
+            <a:off x="533399" y="161925"/>
+            <a:ext cx="942975" cy="923925"/>
+          </a:xfrm>
+          <a:prstGeom prst="rect">
+            <a:avLst/>
+          </a:prstGeom>
+        </p:spPr>
+      </p:pic>
+      <p:pic>
+        <p:nvPicPr>
+          <p:cNvPr id="7" name="그림 6"/>
+          <p:cNvPicPr>
+            <a:picLocks noChangeAspect="1"/>
+          </p:cNvPicPr>
+          <p:nvPr/>
+        </p:nvPicPr>
+        <p:blipFill rotWithShape="1">
+          <a:blip r:embed="rId2"/>
+          <a:srcRect l="45998" t="80435" r="46150" b="6837"/>
+          <a:stretch/>
+        </p:blipFill>
+        <p:spPr>
+          <a:xfrm>
+            <a:off x="2771774" y="3295650"/>
+            <a:ext cx="942975" cy="923925"/>
+          </a:xfrm>
+          <a:prstGeom prst="rect">
+            <a:avLst/>
+          </a:prstGeom>
+        </p:spPr>
+      </p:pic>
+    </p:spTree>
+    <p:extLst>
+      <p:ext uri="{BB962C8B-B14F-4D97-AF65-F5344CB8AC3E}">
+        <p14:creationId xmlns:p14="http://schemas.microsoft.com/office/powerpoint/2010/main" val="3158311169"/>
+      </p:ext>
+    </p:extLst>
+  </p:cSld>
+  <p:clrMapOvr>
+    <a:masterClrMapping/>
+  </p:clrMapOvr>
+</p:sld>
+</file>
+
 <file path=ppt/theme/theme1.xml><?xml version="1.0" encoding="utf-8"?>
 <a:theme xmlns:a="http://schemas.openxmlformats.org/drawingml/2006/main" name="Office 테마">
   <a:themeElements>
